--- a/Programming with C#/5. C# Data Structures and Algorithms/05. Advanced Data Structures/Advanced-Data-Structures.pptx
+++ b/Programming with C#/5. C# Data Structures and Algorithms/05. Advanced Data Structures/Advanced-Data-Structures.pptx
@@ -173,7 +173,7 @@
   </p:defaultTextStyle>
   <p:extLst>
     <p:ext uri="{EFAFB233-063F-42B5-8137-9DF3F51BA10A}">
-      <p15:sldGuideLst xmlns:p15="http://schemas.microsoft.com/office/powerpoint/2012/main">
+      <p15:sldGuideLst xmlns:p15="http://schemas.microsoft.com/office/powerpoint/2012/main" xmlns="">
         <p15:guide id="1" orient="horz" pos="2160">
           <p15:clr>
             <a:srgbClr val="A4A3A4"/>
@@ -187,7 +187,7 @@
       </p15:sldGuideLst>
     </p:ext>
     <p:ext uri="{2D200454-40CA-4A62-9FC3-DE9A4176ACB9}">
-      <p15:notesGuideLst xmlns:p15="http://schemas.microsoft.com/office/powerpoint/2012/main">
+      <p15:notesGuideLst xmlns:p15="http://schemas.microsoft.com/office/powerpoint/2012/main" xmlns="">
         <p15:guide id="1" orient="horz" pos="2928">
           <p15:clr>
             <a:srgbClr val="A4A3A4"/>
@@ -319,7 +319,7 @@
             <a:fld id="{3BF7C7B5-275F-4D1F-9AB4-9255447DBC73}" type="datetimeFigureOut">
               <a:rPr lang="en-US"/>
               <a:pPr/>
-              <a:t>6/7/2013</a:t>
+              <a:t>8/26/2014</a:t>
             </a:fld>
             <a:endParaRPr lang="en-US" dirty="0"/>
           </a:p>
@@ -550,7 +550,7 @@
             <a:fld id="{9B46F231-FB2B-4655-A644-E2477325E686}" type="datetimeFigureOut">
               <a:rPr lang="en-US"/>
               <a:pPr/>
-              <a:t>6/7/2013</a:t>
+              <a:t>8/26/2014</a:t>
             </a:fld>
             <a:endParaRPr lang="en-US" dirty="0"/>
           </a:p>
@@ -6342,154 +6342,6 @@
           <a:chExt cx="0" cy="0"/>
         </a:xfrm>
       </p:grpSpPr>
-      <p:sp>
-        <p:nvSpPr>
-          <p:cNvPr id="14" name="Text Placeholder 4"/>
-          <p:cNvSpPr>
-            <a:spLocks noGrp="1"/>
-          </p:cNvSpPr>
-          <p:nvPr>
-            <p:ph type="body" sz="quarter" idx="10"/>
-          </p:nvPr>
-        </p:nvSpPr>
-        <p:spPr>
-          <a:xfrm>
-            <a:off x="419099" y="4572000"/>
-            <a:ext cx="3853295" cy="533400"/>
-          </a:xfrm>
-        </p:spPr>
-        <p:txBody>
-          <a:bodyPr/>
-          <a:lstStyle/>
-          <a:p>
-            <a:r>
-              <a:rPr lang="en-US" dirty="0" smtClean="0"/>
-              <a:t>Svetlin Nakov</a:t>
-            </a:r>
-            <a:endParaRPr lang="en-US" dirty="0"/>
-          </a:p>
-        </p:txBody>
-      </p:sp>
-      <p:sp>
-        <p:nvSpPr>
-          <p:cNvPr id="15" name="Text Placeholder 5"/>
-          <p:cNvSpPr>
-            <a:spLocks noGrp="1"/>
-          </p:cNvSpPr>
-          <p:nvPr>
-            <p:ph type="body" sz="quarter" idx="11"/>
-          </p:nvPr>
-        </p:nvSpPr>
-        <p:spPr>
-          <a:xfrm>
-            <a:off x="457200" y="5833646"/>
-            <a:ext cx="3810000" cy="369332"/>
-          </a:xfrm>
-        </p:spPr>
-        <p:txBody>
-          <a:bodyPr/>
-          <a:lstStyle/>
-          <a:p>
-            <a:r>
-              <a:rPr lang="en-US" dirty="0" smtClean="0"/>
-              <a:t>Telerik Software Academy</a:t>
-            </a:r>
-            <a:endParaRPr lang="en-US" dirty="0"/>
-          </a:p>
-        </p:txBody>
-      </p:sp>
-      <p:sp>
-        <p:nvSpPr>
-          <p:cNvPr id="16" name="Text Placeholder 6"/>
-          <p:cNvSpPr>
-            <a:spLocks noGrp="1"/>
-          </p:cNvSpPr>
-          <p:nvPr>
-            <p:ph type="body" sz="quarter" idx="12"/>
-          </p:nvPr>
-        </p:nvSpPr>
-        <p:spPr>
-          <a:xfrm>
-            <a:off x="457200" y="6138446"/>
-            <a:ext cx="3810000" cy="338554"/>
-          </a:xfrm>
-        </p:spPr>
-        <p:txBody>
-          <a:bodyPr/>
-          <a:lstStyle/>
-          <a:p>
-            <a:r>
-              <a:rPr lang="en-US" dirty="0" smtClean="0">
-                <a:hlinkClick r:id="rId3"/>
-              </a:rPr>
-              <a:t>academy.telerik.com</a:t>
-            </a:r>
-            <a:r>
-              <a:rPr lang="en-US" dirty="0" smtClean="0"/>
-              <a:t>   </a:t>
-            </a:r>
-            <a:endParaRPr lang="en-US" dirty="0"/>
-          </a:p>
-        </p:txBody>
-      </p:sp>
-      <p:sp>
-        <p:nvSpPr>
-          <p:cNvPr id="4" name="Text Placeholder 3"/>
-          <p:cNvSpPr>
-            <a:spLocks noGrp="1"/>
-          </p:cNvSpPr>
-          <p:nvPr>
-            <p:ph type="body" sz="quarter" idx="13"/>
-          </p:nvPr>
-        </p:nvSpPr>
-        <p:spPr>
-          <a:xfrm>
-            <a:off x="431800" y="5029200"/>
-            <a:ext cx="3838864" cy="461665"/>
-          </a:xfrm>
-        </p:spPr>
-        <p:txBody>
-          <a:bodyPr/>
-          <a:lstStyle/>
-          <a:p>
-            <a:r>
-              <a:rPr lang="en-US" dirty="0" smtClean="0"/>
-              <a:t>Technical Trainer</a:t>
-            </a:r>
-            <a:endParaRPr lang="en-US" dirty="0"/>
-          </a:p>
-        </p:txBody>
-      </p:sp>
-      <p:sp>
-        <p:nvSpPr>
-          <p:cNvPr id="6" name="Text Placeholder 5"/>
-          <p:cNvSpPr>
-            <a:spLocks noGrp="1"/>
-          </p:cNvSpPr>
-          <p:nvPr>
-            <p:ph type="body" sz="quarter" idx="14"/>
-          </p:nvPr>
-        </p:nvSpPr>
-        <p:spPr>
-          <a:xfrm>
-            <a:off x="457200" y="5405735"/>
-            <a:ext cx="3810000" cy="369332"/>
-          </a:xfrm>
-        </p:spPr>
-        <p:txBody>
-          <a:bodyPr/>
-          <a:lstStyle/>
-          <a:p>
-            <a:r>
-              <a:rPr lang="en-US" sz="1800" dirty="0" smtClean="0">
-                <a:hlinkClick r:id="rId4"/>
-              </a:rPr>
-              <a:t>www.nakov.com</a:t>
-            </a:r>
-            <a:endParaRPr lang="en-US" sz="1800" dirty="0"/>
-          </a:p>
-        </p:txBody>
-      </p:sp>
       <p:pic>
         <p:nvPicPr>
           <p:cNvPr id="17" name="Picture 5"/>
@@ -6499,7 +6351,7 @@
           <p:nvPr/>
         </p:nvPicPr>
         <p:blipFill>
-          <a:blip r:embed="rId5">
+          <a:blip r:embed="rId3">
             <a:extLst>
               <a:ext uri="{28A0092B-C50C-407E-A947-70E740481C1C}">
                 <a14:useLocalDpi xmlns:a14="http://schemas.microsoft.com/office/drawing/2010/main"/>
@@ -6557,7 +6409,7 @@
       <p:pic>
         <p:nvPicPr>
           <p:cNvPr id="19" name="Picture 18">
-            <a:hlinkClick r:id="rId6"/>
+            <a:hlinkClick r:id="rId4"/>
           </p:cNvPr>
           <p:cNvPicPr>
             <a:picLocks noChangeAspect="1"/>
@@ -6565,7 +6417,7 @@
           <p:nvPr/>
         </p:nvPicPr>
         <p:blipFill>
-          <a:blip r:embed="rId7" cstate="screen">
+          <a:blip r:embed="rId5" cstate="screen">
             <a:extLst>
               <a:ext uri="{28A0092B-C50C-407E-A947-70E740481C1C}">
                 <a14:useLocalDpi xmlns:a14="http://schemas.microsoft.com/office/drawing/2010/main"/>
@@ -6578,7 +6430,7 @@
         </p:blipFill>
         <p:spPr>
           <a:xfrm>
-            <a:off x="3639561" y="4930832"/>
+            <a:off x="457200" y="3984137"/>
             <a:ext cx="1227557" cy="1170374"/>
           </a:xfrm>
           <a:prstGeom prst="rect">
@@ -6669,7 +6521,7 @@
           <p:nvPr/>
         </p:nvPicPr>
         <p:blipFill>
-          <a:blip r:embed="rId8" cstate="screen">
+          <a:blip r:embed="rId6" cstate="screen">
             <a:extLst>
               <a:ext uri="{28A0092B-C50C-407E-A947-70E740481C1C}">
                 <a14:useLocalDpi xmlns:a14="http://schemas.microsoft.com/office/drawing/2010/main"/>
@@ -6713,7 +6565,7 @@
           <p:nvPr/>
         </p:nvPicPr>
         <p:blipFill>
-          <a:blip r:embed="rId9">
+          <a:blip r:embed="rId7">
             <a:extLst>
               <a:ext uri="{28A0092B-C50C-407E-A947-70E740481C1C}">
                 <a14:useLocalDpi xmlns:a14="http://schemas.microsoft.com/office/drawing/2010/main"/>
@@ -6742,6 +6594,70 @@
             </a:glow>
             <a:softEdge rad="0"/>
           </a:effectLst>
+        </p:spPr>
+      </p:pic>
+      <p:pic>
+        <p:nvPicPr>
+          <p:cNvPr id="1027" name="Picture 3"/>
+          <p:cNvPicPr>
+            <a:picLocks noChangeAspect="1" noChangeArrowheads="1"/>
+          </p:cNvPicPr>
+          <p:nvPr/>
+        </p:nvPicPr>
+        <p:blipFill>
+          <a:blip r:embed="rId8">
+            <a:extLst>
+              <a:ext uri="{28A0092B-C50C-407E-A947-70E740481C1C}">
+                <a14:useLocalDpi xmlns:a14="http://schemas.microsoft.com/office/drawing/2010/main" val="0"/>
+              </a:ext>
+            </a:extLst>
+          </a:blip>
+          <a:srcRect/>
+          <a:stretch>
+            <a:fillRect/>
+          </a:stretch>
+        </p:blipFill>
+        <p:spPr bwMode="auto">
+          <a:xfrm>
+            <a:off x="299637" y="5145546"/>
+            <a:ext cx="4718050" cy="1225550"/>
+          </a:xfrm>
+          <a:prstGeom prst="rect">
+            <a:avLst/>
+          </a:prstGeom>
+          <a:noFill/>
+          <a:ln>
+            <a:noFill/>
+          </a:ln>
+          <a:effectLst/>
+          <a:extLst>
+            <a:ext uri="{909E8E84-426E-40DD-AFC4-6F175D3DCCD1}">
+              <a14:hiddenFill xmlns:a14="http://schemas.microsoft.com/office/drawing/2010/main">
+                <a:solidFill>
+                  <a:schemeClr val="accent1"/>
+                </a:solidFill>
+              </a14:hiddenFill>
+            </a:ext>
+            <a:ext uri="{91240B29-F687-4F45-9708-019B960494DF}">
+              <a14:hiddenLine xmlns:a14="http://schemas.microsoft.com/office/drawing/2010/main" w="9525">
+                <a:solidFill>
+                  <a:schemeClr val="tx1"/>
+                </a:solidFill>
+                <a:miter lim="800000"/>
+                <a:headEnd/>
+                <a:tailEnd/>
+              </a14:hiddenLine>
+            </a:ext>
+            <a:ext uri="{AF507438-7753-43E0-B8FC-AC1667EBCBE1}">
+              <a14:hiddenEffects xmlns:a14="http://schemas.microsoft.com/office/drawing/2010/main">
+                <a:effectLst>
+                  <a:outerShdw dist="35921" dir="2700000" algn="ctr" rotWithShape="0">
+                    <a:schemeClr val="bg2"/>
+                  </a:outerShdw>
+                </a:effectLst>
+              </a14:hiddenEffects>
+            </a:ext>
+          </a:extLst>
         </p:spPr>
       </p:pic>
     </p:spTree>
@@ -8562,11 +8478,7 @@
             </a:pPr>
             <a:r>
               <a:rPr lang="en-US" dirty="0" smtClean="0"/>
-              <a:t>Editable </a:t>
-            </a:r>
-            <a:r>
-              <a:rPr lang="en-US" dirty="0" smtClean="0"/>
-              <a:t>sequence of indexed items</a:t>
+              <a:t>Editable sequence of indexed items</a:t>
             </a:r>
           </a:p>
           <a:p>
@@ -11052,13 +10964,8 @@
             </a:pPr>
             <a:r>
               <a:rPr lang="en-US" dirty="0" smtClean="0"/>
-              <a:t>Used to implement fast </a:t>
-            </a:r>
-            <a:r>
-              <a:rPr lang="en-US" dirty="0" smtClean="0"/>
-              <a:t>search in string</a:t>
-            </a:r>
-            <a:endParaRPr lang="en-US" dirty="0" smtClean="0"/>
+              <a:t>Used to implement fast search in string</a:t>
+            </a:r>
           </a:p>
           <a:p>
             <a:pPr>
@@ -11091,22 +10998,14 @@
             </a:pPr>
             <a:r>
               <a:rPr lang="en-US" noProof="1" smtClean="0"/>
-              <a:t>Special tree structure used for </a:t>
-            </a:r>
-            <a:r>
-              <a:rPr lang="en-US" noProof="1" smtClean="0"/>
-              <a:t>fast</a:t>
+              <a:t>Special tree structure used for fast</a:t>
             </a:r>
             <a:br>
               <a:rPr lang="en-US" noProof="1" smtClean="0"/>
             </a:br>
             <a:r>
               <a:rPr lang="en-US" noProof="1" smtClean="0"/>
-              <a:t>multi-pattern </a:t>
-            </a:r>
-            <a:r>
-              <a:rPr lang="en-US" noProof="1" smtClean="0"/>
-              <a:t>matching</a:t>
+              <a:t>multi-pattern matching</a:t>
             </a:r>
           </a:p>
           <a:p>
@@ -11128,22 +11027,14 @@
             </a:pPr>
             <a:r>
               <a:rPr lang="en-US" noProof="1" smtClean="0"/>
-              <a:t>Balanced tree structure for </a:t>
-            </a:r>
-            <a:r>
-              <a:rPr lang="en-US" noProof="1" smtClean="0"/>
-              <a:t>indexed</a:t>
+              <a:t>Balanced tree structure for indexed</a:t>
             </a:r>
             <a:br>
               <a:rPr lang="en-US" noProof="1" smtClean="0"/>
             </a:br>
             <a:r>
               <a:rPr lang="en-US" noProof="1" smtClean="0"/>
-              <a:t>items </a:t>
-            </a:r>
-            <a:r>
-              <a:rPr lang="en-US" noProof="1" smtClean="0"/>
-              <a:t>with fast inserts / delete</a:t>
+              <a:t>items with fast inserts / delete</a:t>
             </a:r>
           </a:p>
           <a:p>
@@ -11239,15 +11130,7 @@
           <a:effectLst>
             <a:reflection blurRad="12700" stA="38000" endPos="28000" dist="5000" dir="5400000" sy="-100000" algn="bl" rotWithShape="0"/>
           </a:effectLst>
-          <a:extLst>
-            <a:ext uri="{909E8E84-426E-40DD-AFC4-6F175D3DCCD1}">
-              <a14:hiddenFill xmlns:a14="http://schemas.microsoft.com/office/drawing/2010/main">
-                <a:solidFill>
-                  <a:srgbClr val="FFFFFF"/>
-                </a:solidFill>
-              </a14:hiddenFill>
-            </a:ext>
-          </a:extLst>
+          <a:extLst/>
         </p:spPr>
       </p:pic>
       <p:pic>
@@ -11292,15 +11175,7 @@
           <a:effectLst>
             <a:reflection blurRad="12700" stA="38000" endPos="28000" dist="5000" dir="5400000" sy="-100000" algn="bl" rotWithShape="0"/>
           </a:effectLst>
-          <a:extLst>
-            <a:ext uri="{909E8E84-426E-40DD-AFC4-6F175D3DCCD1}">
-              <a14:hiddenFill xmlns:a14="http://schemas.microsoft.com/office/drawing/2010/main">
-                <a:solidFill>
-                  <a:srgbClr val="FFFFFF"/>
-                </a:solidFill>
-              </a14:hiddenFill>
-            </a:ext>
-          </a:extLst>
+          <a:extLst/>
         </p:spPr>
       </p:pic>
       <p:pic>
@@ -11345,15 +11220,7 @@
           <a:effectLst>
             <a:reflection blurRad="12700" stA="38000" endPos="28000" dist="5000" dir="5400000" sy="-100000" algn="bl" rotWithShape="0"/>
           </a:effectLst>
-          <a:extLst>
-            <a:ext uri="{909E8E84-426E-40DD-AFC4-6F175D3DCCD1}">
-              <a14:hiddenFill xmlns:a14="http://schemas.microsoft.com/office/drawing/2010/main">
-                <a:solidFill>
-                  <a:srgbClr val="FFFFFF"/>
-                </a:solidFill>
-              </a14:hiddenFill>
-            </a:ext>
-          </a:extLst>
+          <a:extLst/>
         </p:spPr>
       </p:pic>
     </p:spTree>
@@ -11495,22 +11362,14 @@
             </a:pPr>
             <a:r>
               <a:rPr lang="en-US" dirty="0" smtClean="0"/>
-              <a:t>Special tree-like data </a:t>
-            </a:r>
-            <a:r>
-              <a:rPr lang="en-US" dirty="0" smtClean="0"/>
-              <a:t>structures to</a:t>
+              <a:t>Special tree-like data structures to</a:t>
             </a:r>
             <a:br>
               <a:rPr lang="en-US" dirty="0" smtClean="0"/>
             </a:br>
             <a:r>
               <a:rPr lang="en-US" dirty="0" smtClean="0"/>
-              <a:t>efficiently </a:t>
-            </a:r>
-            <a:r>
-              <a:rPr lang="en-US" dirty="0" smtClean="0"/>
-              <a:t>implement a priority queue</a:t>
+              <a:t>efficiently implement a priority queue</a:t>
             </a:r>
           </a:p>
           <a:p>
@@ -11629,15 +11488,7 @@
           <a:effectLst>
             <a:reflection blurRad="12700" stA="38000" endPos="28000" dist="5000" dir="5400000" sy="-100000" algn="bl" rotWithShape="0"/>
           </a:effectLst>
-          <a:extLst>
-            <a:ext uri="{909E8E84-426E-40DD-AFC4-6F175D3DCCD1}">
-              <a14:hiddenFill xmlns:a14="http://schemas.microsoft.com/office/drawing/2010/main">
-                <a:solidFill>
-                  <a:srgbClr val="FFFFFF"/>
-                </a:solidFill>
-              </a14:hiddenFill>
-            </a:ext>
-          </a:extLst>
+          <a:extLst/>
         </p:spPr>
       </p:pic>
     </p:spTree>
@@ -14240,6 +14091,31 @@
             </a:r>
           </a:p>
           <a:p>
+            <a:pPr marL="696913" lvl="1" indent="-239713">
+              <a:lnSpc>
+                <a:spcPct val="100000"/>
+              </a:lnSpc>
+            </a:pPr>
+            <a:r>
+              <a:rPr lang="en-US" dirty="0" smtClean="0"/>
+              <a:t>No standard multi-dictionary .NET class</a:t>
+            </a:r>
+          </a:p>
+          <a:p>
+            <a:pPr>
+              <a:lnSpc>
+                <a:spcPct val="100000"/>
+              </a:lnSpc>
+              <a:spcBef>
+                <a:spcPts val="1200"/>
+              </a:spcBef>
+            </a:pPr>
+            <a:r>
+              <a:rPr lang="en-US" dirty="0" smtClean="0"/>
+              <a:t>Balanced search tree structures</a:t>
+            </a:r>
+          </a:p>
+          <a:p>
             <a:pPr lvl="1">
               <a:lnSpc>
                 <a:spcPct val="100000"/>
@@ -14249,12 +14125,52 @@
               </a:spcBef>
             </a:pPr>
             <a:r>
-              <a:rPr lang="en-US" dirty="0" smtClean="0"/>
-              <a:t>No standard multi-dictionary .NET class</a:t>
-            </a:r>
-          </a:p>
-          <a:p>
-            <a:pPr>
+              <a:rPr lang="en-US" noProof="1" smtClean="0">
+                <a:solidFill>
+                  <a:schemeClr val="accent5">
+                    <a:lumMod val="20000"/>
+                    <a:lumOff val="80000"/>
+                  </a:schemeClr>
+                </a:solidFill>
+                <a:latin typeface="Consolas" panose="020B0609020204030204" pitchFamily="49" charset="0"/>
+                <a:cs typeface="Consolas" panose="020B0609020204030204" pitchFamily="49" charset="0"/>
+              </a:rPr>
+              <a:t>SortedSet&lt;T</a:t>
+            </a:r>
+            <a:r>
+              <a:rPr lang="en-US" noProof="1">
+                <a:solidFill>
+                  <a:schemeClr val="accent5">
+                    <a:lumMod val="20000"/>
+                    <a:lumOff val="80000"/>
+                  </a:schemeClr>
+                </a:solidFill>
+                <a:latin typeface="Consolas" panose="020B0609020204030204" pitchFamily="49" charset="0"/>
+                <a:cs typeface="Consolas" panose="020B0609020204030204" pitchFamily="49" charset="0"/>
+              </a:rPr>
+              <a:t>&gt;</a:t>
+            </a:r>
+            <a:r>
+              <a:rPr lang="en-US" dirty="0"/>
+              <a:t>, </a:t>
+            </a:r>
+            <a:r>
+              <a:rPr lang="en-US" noProof="1">
+                <a:solidFill>
+                  <a:schemeClr val="accent5">
+                    <a:lumMod val="20000"/>
+                    <a:lumOff val="80000"/>
+                  </a:schemeClr>
+                </a:solidFill>
+                <a:latin typeface="Consolas" panose="020B0609020204030204" pitchFamily="49" charset="0"/>
+                <a:cs typeface="Consolas" panose="020B0609020204030204" pitchFamily="49" charset="0"/>
+              </a:rPr>
+              <a:t>SortedDictionary&lt;K,V&gt;</a:t>
+            </a:r>
+            <a:endParaRPr lang="en-US" dirty="0"/>
+          </a:p>
+          <a:p>
+            <a:pPr lvl="1">
               <a:lnSpc>
                 <a:spcPct val="100000"/>
               </a:lnSpc>
@@ -14262,64 +14178,6 @@
                 <a:spcPts val="1200"/>
               </a:spcBef>
             </a:pPr>
-            <a:r>
-              <a:rPr lang="en-US" dirty="0" smtClean="0"/>
-              <a:t>Balanced </a:t>
-            </a:r>
-            <a:r>
-              <a:rPr lang="en-US" dirty="0"/>
-              <a:t>search tree structures</a:t>
-            </a:r>
-          </a:p>
-          <a:p>
-            <a:pPr lvl="1">
-              <a:lnSpc>
-                <a:spcPct val="100000"/>
-              </a:lnSpc>
-            </a:pPr>
-            <a:r>
-              <a:rPr lang="en-US" noProof="1">
-                <a:solidFill>
-                  <a:schemeClr val="accent5">
-                    <a:lumMod val="20000"/>
-                    <a:lumOff val="80000"/>
-                  </a:schemeClr>
-                </a:solidFill>
-                <a:latin typeface="Consolas" panose="020B0609020204030204" pitchFamily="49" charset="0"/>
-                <a:cs typeface="Consolas" panose="020B0609020204030204" pitchFamily="49" charset="0"/>
-              </a:rPr>
-              <a:t>SortedSet&lt;T&gt;</a:t>
-            </a:r>
-            <a:r>
-              <a:rPr lang="en-US" dirty="0"/>
-              <a:t>, </a:t>
-            </a:r>
-            <a:r>
-              <a:rPr lang="en-US" noProof="1">
-                <a:solidFill>
-                  <a:schemeClr val="accent5">
-                    <a:lumMod val="20000"/>
-                    <a:lumOff val="80000"/>
-                  </a:schemeClr>
-                </a:solidFill>
-                <a:latin typeface="Consolas" panose="020B0609020204030204" pitchFamily="49" charset="0"/>
-                <a:cs typeface="Consolas" panose="020B0609020204030204" pitchFamily="49" charset="0"/>
-              </a:rPr>
-              <a:t>SortedDictionary&lt;K,V</a:t>
-            </a:r>
-            <a:r>
-              <a:rPr lang="en-US" noProof="1" smtClean="0">
-                <a:solidFill>
-                  <a:schemeClr val="accent5">
-                    <a:lumMod val="20000"/>
-                    <a:lumOff val="80000"/>
-                  </a:schemeClr>
-                </a:solidFill>
-                <a:latin typeface="Consolas" panose="020B0609020204030204" pitchFamily="49" charset="0"/>
-                <a:cs typeface="Consolas" panose="020B0609020204030204" pitchFamily="49" charset="0"/>
-              </a:rPr>
-              <a:t>&gt;</a:t>
-            </a:r>
             <a:endParaRPr lang="en-US" dirty="0"/>
           </a:p>
         </p:txBody>
